--- a/Session08/04. Database vs Knex.js.pptx
+++ b/Session08/04. Database vs Knex.js.pptx
@@ -5,17 +5,19 @@
     <p:sldMasterId id="2147483648" r:id="rId1"/>
   </p:sldMasterIdLst>
   <p:notesMasterIdLst>
-    <p:notesMasterId r:id="rId10"/>
+    <p:notesMasterId r:id="rId12"/>
   </p:notesMasterIdLst>
   <p:sldIdLst>
     <p:sldId id="256" r:id="rId2"/>
     <p:sldId id="265" r:id="rId3"/>
     <p:sldId id="266" r:id="rId4"/>
-    <p:sldId id="267" r:id="rId5"/>
-    <p:sldId id="268" r:id="rId6"/>
-    <p:sldId id="263" r:id="rId7"/>
-    <p:sldId id="270" r:id="rId8"/>
-    <p:sldId id="269" r:id="rId9"/>
+    <p:sldId id="271" r:id="rId5"/>
+    <p:sldId id="272" r:id="rId6"/>
+    <p:sldId id="267" r:id="rId7"/>
+    <p:sldId id="268" r:id="rId8"/>
+    <p:sldId id="263" r:id="rId9"/>
+    <p:sldId id="270" r:id="rId10"/>
+    <p:sldId id="269" r:id="rId11"/>
   </p:sldIdLst>
   <p:sldSz cx="12192000" cy="6858000"/>
   <p:notesSz cx="6858000" cy="9144000"/>
@@ -204,7 +206,7 @@
           <a:p>
             <a:fld id="{8F59A0B2-88F1-430E-BA3A-2AAE21785401}" type="datetimeFigureOut">
               <a:rPr lang="en-US" smtClean="0"/>
-              <a:t>17-Mar-19</a:t>
+              <a:t>23-Mar-19</a:t>
             </a:fld>
             <a:endParaRPr lang="en-US"/>
           </a:p>
@@ -689,7 +691,7 @@
           <a:p>
             <a:fld id="{9AB3A824-1A51-4B26-AD58-A6D8E14F6C04}" type="datetimeFigureOut">
               <a:rPr lang="en-US" dirty="0"/>
-              <a:t>17-Mar-19</a:t>
+              <a:t>23-Mar-19</a:t>
             </a:fld>
             <a:endParaRPr lang="en-US" dirty="0"/>
           </a:p>
@@ -989,7 +991,7 @@
           <a:p>
             <a:fld id="{D857E33E-8B18-4087-B112-809917729534}" type="datetimeFigureOut">
               <a:rPr lang="en-US" dirty="0"/>
-              <a:t>17-Mar-19</a:t>
+              <a:t>23-Mar-19</a:t>
             </a:fld>
             <a:endParaRPr lang="en-US" dirty="0"/>
           </a:p>
@@ -1291,7 +1293,7 @@
           <a:p>
             <a:fld id="{D3FFE419-2371-464F-8239-3959401C3561}" type="datetimeFigureOut">
               <a:rPr lang="en-US" dirty="0"/>
-              <a:t>17-Mar-19</a:t>
+              <a:t>23-Mar-19</a:t>
             </a:fld>
             <a:endParaRPr lang="en-US" dirty="0"/>
           </a:p>
@@ -1538,7 +1540,7 @@
           <a:p>
             <a:fld id="{97D162C4-EDD9-4389-A98B-B87ECEA2A816}" type="datetimeFigureOut">
               <a:rPr lang="en-US" dirty="0"/>
-              <a:t>17-Mar-19</a:t>
+              <a:t>23-Mar-19</a:t>
             </a:fld>
             <a:endParaRPr lang="en-US" dirty="0"/>
           </a:p>
@@ -1952,7 +1954,7 @@
           <a:p>
             <a:fld id="{3E5059C3-6A89-4494-99FF-5A4D6FFD50EB}" type="datetimeFigureOut">
               <a:rPr lang="en-US" dirty="0"/>
-              <a:t>17-Mar-19</a:t>
+              <a:t>23-Mar-19</a:t>
             </a:fld>
             <a:endParaRPr lang="en-US" dirty="0"/>
           </a:p>
@@ -2266,7 +2268,7 @@
           <a:p>
             <a:fld id="{CA954B2F-12DE-47F5-8894-472B206D2E1E}" type="datetimeFigureOut">
               <a:rPr lang="en-US" dirty="0"/>
-              <a:t>17-Mar-19</a:t>
+              <a:t>23-Mar-19</a:t>
             </a:fld>
             <a:endParaRPr lang="en-US" dirty="0"/>
           </a:p>
@@ -2810,7 +2812,7 @@
           <a:p>
             <a:fld id="{3F30E46F-7819-4ACF-B48B-48222C2ACC88}" type="datetimeFigureOut">
               <a:rPr lang="en-US" dirty="0"/>
-              <a:t>17-Mar-19</a:t>
+              <a:t>23-Mar-19</a:t>
             </a:fld>
             <a:endParaRPr lang="en-US" dirty="0"/>
           </a:p>
@@ -3005,7 +3007,7 @@
           <a:p>
             <a:fld id="{1FAF3416-4057-4DAA-829D-4CA07428D088}" type="datetimeFigureOut">
               <a:rPr lang="en-US" dirty="0"/>
-              <a:t>17-Mar-19</a:t>
+              <a:t>23-Mar-19</a:t>
             </a:fld>
             <a:endParaRPr lang="en-US" dirty="0"/>
           </a:p>
@@ -3218,7 +3220,7 @@
           <a:p>
             <a:fld id="{921D9284-D300-4297-87F7-E791DCC15DB1}" type="datetimeFigureOut">
               <a:rPr lang="en-US" dirty="0"/>
-              <a:t>17-Mar-19</a:t>
+              <a:t>23-Mar-19</a:t>
             </a:fld>
             <a:endParaRPr lang="en-US" dirty="0"/>
           </a:p>
@@ -3587,7 +3589,7 @@
           <a:p>
             <a:fld id="{37D525BB-DA17-4BA0-B3C8-3AC3ABC827E6}" type="datetimeFigureOut">
               <a:rPr lang="en-US" dirty="0"/>
-              <a:t>17-Mar-19</a:t>
+              <a:t>23-Mar-19</a:t>
             </a:fld>
             <a:endParaRPr lang="en-US" dirty="0"/>
           </a:p>
@@ -3990,7 +3992,7 @@
           <a:p>
             <a:fld id="{B16C4C9A-3960-41CF-A4E9-2A8FB932454B}" type="datetimeFigureOut">
               <a:rPr lang="en-US" dirty="0"/>
-              <a:t>17-Mar-19</a:t>
+              <a:t>23-Mar-19</a:t>
             </a:fld>
             <a:endParaRPr lang="en-US" dirty="0"/>
           </a:p>
@@ -4328,7 +4330,7 @@
           <a:p>
             <a:fld id="{3CBC1C18-307B-4F68-A007-B5B542270E8D}" type="datetimeFigureOut">
               <a:rPr lang="en-US" dirty="0"/>
-              <a:t>17-Mar-19</a:t>
+              <a:t>23-Mar-19</a:t>
             </a:fld>
             <a:endParaRPr lang="en-US" dirty="0"/>
           </a:p>
@@ -5058,6 +5060,141 @@
 </p:sld>
 </file>
 
+<file path=ppt/slides/slide10.xml><?xml version="1.0" encoding="utf-8"?>
+<p:sld xmlns:a="http://schemas.openxmlformats.org/drawingml/2006/main" xmlns:r="http://schemas.openxmlformats.org/officeDocument/2006/relationships" xmlns:p="http://schemas.openxmlformats.org/presentationml/2006/main">
+  <p:cSld>
+    <p:spTree>
+      <p:nvGrpSpPr>
+        <p:cNvPr id="1" name=""/>
+        <p:cNvGrpSpPr/>
+        <p:nvPr/>
+      </p:nvGrpSpPr>
+      <p:grpSpPr>
+        <a:xfrm>
+          <a:off x="0" y="0"/>
+          <a:ext cx="0" cy="0"/>
+          <a:chOff x="0" y="0"/>
+          <a:chExt cx="0" cy="0"/>
+        </a:xfrm>
+      </p:grpSpPr>
+      <p:sp>
+        <p:nvSpPr>
+          <p:cNvPr id="2" name="Title 1"/>
+          <p:cNvSpPr>
+            <a:spLocks noGrp="1"/>
+          </p:cNvSpPr>
+          <p:nvPr>
+            <p:ph type="title"/>
+          </p:nvPr>
+        </p:nvSpPr>
+        <p:spPr/>
+        <p:txBody>
+          <a:bodyPr/>
+          <a:lstStyle/>
+          <a:p>
+            <a:r>
+              <a:rPr lang="en-US" smtClean="0"/>
+              <a:t>References</a:t>
+            </a:r>
+            <a:endParaRPr lang="en-US"/>
+          </a:p>
+        </p:txBody>
+      </p:sp>
+      <p:sp>
+        <p:nvSpPr>
+          <p:cNvPr id="3" name="Content Placeholder 2"/>
+          <p:cNvSpPr>
+            <a:spLocks noGrp="1"/>
+          </p:cNvSpPr>
+          <p:nvPr>
+            <p:ph idx="1"/>
+          </p:nvPr>
+        </p:nvSpPr>
+        <p:spPr/>
+        <p:txBody>
+          <a:bodyPr/>
+          <a:lstStyle/>
+          <a:p>
+            <a:r>
+              <a:rPr lang="en-US">
+                <a:solidFill>
+                  <a:srgbClr val="FFFF00"/>
+                </a:solidFill>
+              </a:rPr>
+              <a:t>https://</a:t>
+            </a:r>
+            <a:r>
+              <a:rPr lang="en-US" smtClean="0">
+                <a:solidFill>
+                  <a:srgbClr val="FFFF00"/>
+                </a:solidFill>
+              </a:rPr>
+              <a:t>expressjs.com/en/guide/database-integration.html</a:t>
+            </a:r>
+          </a:p>
+          <a:p>
+            <a:r>
+              <a:rPr lang="en-US" smtClean="0">
+                <a:solidFill>
+                  <a:srgbClr val="FFFF00"/>
+                </a:solidFill>
+              </a:rPr>
+              <a:t>https</a:t>
+            </a:r>
+            <a:r>
+              <a:rPr lang="en-US">
+                <a:solidFill>
+                  <a:srgbClr val="FFFF00"/>
+                </a:solidFill>
+              </a:rPr>
+              <a:t>://knexjs.org</a:t>
+            </a:r>
+            <a:r>
+              <a:rPr lang="en-US" smtClean="0">
+                <a:solidFill>
+                  <a:srgbClr val="FFFF00"/>
+                </a:solidFill>
+              </a:rPr>
+              <a:t>/</a:t>
+            </a:r>
+          </a:p>
+          <a:p>
+            <a:r>
+              <a:rPr lang="en-US">
+                <a:solidFill>
+                  <a:srgbClr val="FFFF00"/>
+                </a:solidFill>
+              </a:rPr>
+              <a:t>https://www.getpostman.com/</a:t>
+            </a:r>
+            <a:endParaRPr lang="en-US">
+              <a:solidFill>
+                <a:srgbClr val="FFFF00"/>
+              </a:solidFill>
+            </a:endParaRPr>
+          </a:p>
+        </p:txBody>
+      </p:sp>
+    </p:spTree>
+    <p:extLst>
+      <p:ext uri="{BB962C8B-B14F-4D97-AF65-F5344CB8AC3E}">
+        <p14:creationId xmlns:p14="http://schemas.microsoft.com/office/powerpoint/2010/main" val="3232147770"/>
+      </p:ext>
+    </p:extLst>
+  </p:cSld>
+  <p:clrMapOvr>
+    <a:masterClrMapping/>
+  </p:clrMapOvr>
+  <p:timing>
+    <p:tnLst>
+      <p:par>
+        <p:cTn id="1" dur="indefinite" restart="never" nodeType="tmRoot"/>
+      </p:par>
+    </p:tnLst>
+  </p:timing>
+</p:sld>
+</file>
+
 <file path=ppt/slides/slide2.xml><?xml version="1.0" encoding="utf-8"?>
 <p:sld xmlns:a="http://schemas.openxmlformats.org/drawingml/2006/main" xmlns:r="http://schemas.openxmlformats.org/officeDocument/2006/relationships" xmlns:p="http://schemas.openxmlformats.org/presentationml/2006/main">
   <p:cSld>
@@ -5152,7 +5289,6 @@
               <a:rPr lang="en-US"/>
               <a:t>MongoDB</a:t>
             </a:r>
-            <a:endParaRPr lang="en-US"/>
           </a:p>
         </p:txBody>
       </p:sp>
@@ -5464,7 +5600,7 @@
           <a:p>
             <a:r>
               <a:rPr lang="en-US" smtClean="0"/>
-              <a:t>MySQL</a:t>
+              <a:t>Mongodb</a:t>
             </a:r>
             <a:endParaRPr lang="en-US"/>
           </a:p>
@@ -5499,8 +5635,13 @@
                   <a:srgbClr val="FFFF00"/>
                 </a:solidFill>
               </a:rPr>
-              <a:t>mysql</a:t>
-            </a:r>
+              <a:t>mongoose</a:t>
+            </a:r>
+            <a:endParaRPr lang="en-US">
+              <a:solidFill>
+                <a:srgbClr val="FFFF00"/>
+              </a:solidFill>
+            </a:endParaRPr>
           </a:p>
           <a:p>
             <a:r>
@@ -5513,7 +5654,7 @@
                   <a:srgbClr val="FFFF00"/>
                 </a:solidFill>
               </a:rPr>
-              <a:t>npm </a:t>
+              <a:t>npm install </a:t>
             </a:r>
             <a:r>
               <a:rPr lang="en-US">
@@ -5521,15 +5662,7 @@
                   <a:srgbClr val="FFFF00"/>
                 </a:solidFill>
               </a:rPr>
-              <a:t>install </a:t>
-            </a:r>
-            <a:r>
-              <a:rPr lang="en-US" smtClean="0">
-                <a:solidFill>
-                  <a:srgbClr val="FFFF00"/>
-                </a:solidFill>
-              </a:rPr>
-              <a:t>mysql</a:t>
+              <a:t>mongoose</a:t>
             </a:r>
             <a:endParaRPr lang="en-US"/>
           </a:p>
@@ -5538,7 +5671,7 @@
     </p:spTree>
     <p:extLst>
       <p:ext uri="{BB962C8B-B14F-4D97-AF65-F5344CB8AC3E}">
-        <p14:creationId xmlns:p14="http://schemas.microsoft.com/office/powerpoint/2010/main" val="3329308769"/>
+        <p14:creationId xmlns:p14="http://schemas.microsoft.com/office/powerpoint/2010/main" val="1222566072"/>
       </p:ext>
     </p:extLst>
   </p:cSld>
@@ -5588,13 +5721,18 @@
           <a:lstStyle/>
           <a:p>
             <a:r>
-              <a:rPr lang="en-US" smtClean="0"/>
-              <a:t>Example - </a:t>
-            </a:r>
-            <a:r>
               <a:rPr lang="en-US"/>
-              <a:t>MySQL</a:t>
-            </a:r>
+              <a:t>Example </a:t>
+            </a:r>
+            <a:r>
+              <a:rPr lang="en-US"/>
+              <a:t>- </a:t>
+            </a:r>
+            <a:r>
+              <a:rPr lang="en-US" smtClean="0"/>
+              <a:t>Mongodb</a:t>
+            </a:r>
+            <a:endParaRPr lang="en-US"/>
           </a:p>
         </p:txBody>
       </p:sp>
@@ -5613,51 +5751,53 @@
           <a:bodyPr/>
           <a:lstStyle/>
           <a:p>
-            <a:endParaRPr lang="en-US"/>
-          </a:p>
-        </p:txBody>
-      </p:sp>
-      <p:pic>
-        <p:nvPicPr>
-          <p:cNvPr id="5" name="Picture 4"/>
-          <p:cNvPicPr>
-            <a:picLocks noChangeAspect="1"/>
-          </p:cNvPicPr>
-          <p:nvPr/>
-        </p:nvPicPr>
-        <p:blipFill>
-          <a:blip r:embed="rId2"/>
-          <a:stretch>
-            <a:fillRect/>
-          </a:stretch>
-        </p:blipFill>
-        <p:spPr>
-          <a:xfrm>
-            <a:off x="2742873" y="2052116"/>
-            <a:ext cx="7696200" cy="4410075"/>
-          </a:xfrm>
-          <a:prstGeom prst="rect">
-            <a:avLst/>
-          </a:prstGeom>
-        </p:spPr>
-      </p:pic>
+            <a:r>
+              <a:rPr lang="en-US">
+                <a:solidFill>
+                  <a:srgbClr val="FFFF00"/>
+                </a:solidFill>
+              </a:rPr>
+              <a:t>https</a:t>
+            </a:r>
+            <a:r>
+              <a:rPr lang="en-US">
+                <a:solidFill>
+                  <a:srgbClr val="FFFF00"/>
+                </a:solidFill>
+              </a:rPr>
+              <a:t>://</a:t>
+            </a:r>
+            <a:r>
+              <a:rPr lang="en-US" smtClean="0">
+                <a:solidFill>
+                  <a:srgbClr val="FFFF00"/>
+                </a:solidFill>
+              </a:rPr>
+              <a:t>www.npmjs.com/package/mongoose</a:t>
+            </a:r>
+          </a:p>
+          <a:p>
+            <a:r>
+              <a:rPr lang="en-US">
+                <a:solidFill>
+                  <a:srgbClr val="FFFF00"/>
+                </a:solidFill>
+              </a:rPr>
+              <a:t>https://mongoosejs.com/docs/guide.html</a:t>
+            </a:r>
+          </a:p>
+        </p:txBody>
+      </p:sp>
     </p:spTree>
     <p:extLst>
       <p:ext uri="{BB962C8B-B14F-4D97-AF65-F5344CB8AC3E}">
-        <p14:creationId xmlns:p14="http://schemas.microsoft.com/office/powerpoint/2010/main" val="3649143234"/>
+        <p14:creationId xmlns:p14="http://schemas.microsoft.com/office/powerpoint/2010/main" val="648677204"/>
       </p:ext>
     </p:extLst>
   </p:cSld>
   <p:clrMapOvr>
     <a:masterClrMapping/>
   </p:clrMapOvr>
-  <p:timing>
-    <p:tnLst>
-      <p:par>
-        <p:cTn id="1" dur="indefinite" restart="never" nodeType="tmRoot"/>
-      </p:par>
-    </p:tnLst>
-  </p:timing>
 </p:sld>
 </file>
 
@@ -5688,165 +5828,80 @@
             <p:ph type="title"/>
           </p:nvPr>
         </p:nvSpPr>
-        <p:spPr>
-          <a:xfrm>
-            <a:off x="1757082" y="808056"/>
-            <a:ext cx="8813057" cy="1077229"/>
-          </a:xfrm>
-        </p:spPr>
-        <p:txBody>
-          <a:bodyPr>
-            <a:normAutofit fontScale="90000"/>
-          </a:bodyPr>
-          <a:lstStyle/>
-          <a:p>
+        <p:spPr/>
+        <p:txBody>
+          <a:bodyPr/>
+          <a:lstStyle/>
+          <a:p>
+            <a:r>
+              <a:rPr lang="en-US" smtClean="0"/>
+              <a:t>MySQL</a:t>
+            </a:r>
+            <a:endParaRPr lang="en-US"/>
+          </a:p>
+        </p:txBody>
+      </p:sp>
+      <p:sp>
+        <p:nvSpPr>
+          <p:cNvPr id="3" name="Content Placeholder 2"/>
+          <p:cNvSpPr>
+            <a:spLocks noGrp="1"/>
+          </p:cNvSpPr>
+          <p:nvPr>
+            <p:ph idx="1"/>
+          </p:nvPr>
+        </p:nvSpPr>
+        <p:spPr/>
+        <p:txBody>
+          <a:bodyPr/>
+          <a:lstStyle/>
+          <a:p>
+            <a:r>
+              <a:rPr lang="en-US" b="1"/>
+              <a:t>Module</a:t>
+            </a:r>
             <a:r>
               <a:rPr lang="en-US"/>
-              <a:t>Knex.js - A SQL Query Builder for Javascript</a:t>
-            </a:r>
-          </a:p>
-        </p:txBody>
-      </p:sp>
-      <p:sp>
-        <p:nvSpPr>
-          <p:cNvPr id="3" name="Content Placeholder 2"/>
-          <p:cNvSpPr>
-            <a:spLocks noGrp="1"/>
-          </p:cNvSpPr>
-          <p:nvPr>
-            <p:ph idx="1"/>
-          </p:nvPr>
-        </p:nvSpPr>
-        <p:spPr>
-          <a:xfrm>
-            <a:off x="1452282" y="2330824"/>
-            <a:ext cx="9117857" cy="3028678"/>
-          </a:xfrm>
-        </p:spPr>
-        <p:txBody>
-          <a:bodyPr/>
-          <a:lstStyle/>
+              <a:t>: </a:t>
+            </a:r>
+            <a:r>
+              <a:rPr lang="en-US">
+                <a:solidFill>
+                  <a:srgbClr val="FFFF00"/>
+                </a:solidFill>
+              </a:rPr>
+              <a:t>mysql</a:t>
+            </a:r>
+          </a:p>
           <a:p>
             <a:r>
               <a:rPr lang="en-US" b="1"/>
-              <a:t>Knex.js</a:t>
-            </a:r>
-            <a:r>
-              <a:rPr lang="en-US"/>
-              <a:t> is a "batteries included" SQL query builder for </a:t>
-            </a:r>
-            <a:r>
-              <a:rPr lang="en-US" b="1"/>
-              <a:t>Postgres</a:t>
-            </a:r>
-            <a:r>
-              <a:rPr lang="en-US"/>
-              <a:t>, </a:t>
-            </a:r>
-            <a:r>
-              <a:rPr lang="en-US" b="1"/>
-              <a:t>MSSQL</a:t>
-            </a:r>
-            <a:r>
-              <a:rPr lang="en-US"/>
-              <a:t>, </a:t>
-            </a:r>
-            <a:r>
-              <a:rPr lang="en-US" b="1"/>
-              <a:t>MySQL</a:t>
-            </a:r>
-            <a:r>
-              <a:rPr lang="en-US"/>
-              <a:t>, </a:t>
-            </a:r>
-            <a:r>
-              <a:rPr lang="en-US" b="1"/>
-              <a:t>MariaDB</a:t>
-            </a:r>
-            <a:r>
-              <a:rPr lang="en-US"/>
-              <a:t>, </a:t>
-            </a:r>
-            <a:r>
-              <a:rPr lang="en-US" b="1"/>
-              <a:t>SQLite3</a:t>
-            </a:r>
-            <a:r>
-              <a:rPr lang="en-US"/>
-              <a:t>, </a:t>
-            </a:r>
-            <a:r>
-              <a:rPr lang="en-US" b="1"/>
-              <a:t>Oracle</a:t>
-            </a:r>
-            <a:r>
-              <a:rPr lang="en-US"/>
-              <a:t>, and </a:t>
-            </a:r>
-            <a:r>
-              <a:rPr lang="en-US" b="1"/>
-              <a:t>Amazon Redshift</a:t>
-            </a:r>
-            <a:r>
-              <a:rPr lang="en-US"/>
-              <a:t> designed to be flexible, portable, and fun </a:t>
-            </a:r>
-            <a:r>
-              <a:rPr lang="en-US"/>
-              <a:t>to </a:t>
-            </a:r>
-            <a:r>
-              <a:rPr lang="en-US" smtClean="0"/>
-              <a:t>use</a:t>
-            </a:r>
-          </a:p>
-        </p:txBody>
-      </p:sp>
-      <p:pic>
-        <p:nvPicPr>
-          <p:cNvPr id="4098" name="Picture 2" descr="Knex.js"/>
-          <p:cNvPicPr>
-            <a:picLocks noChangeAspect="1" noChangeArrowheads="1"/>
-          </p:cNvPicPr>
-          <p:nvPr/>
-        </p:nvPicPr>
-        <p:blipFill>
-          <a:blip r:embed="rId2">
-            <a:extLst>
-              <a:ext uri="{28A0092B-C50C-407E-A947-70E740481C1C}">
-                <a14:useLocalDpi xmlns:a14="http://schemas.microsoft.com/office/drawing/2010/main" val="0"/>
-              </a:ext>
-            </a:extLst>
-          </a:blip>
-          <a:srcRect/>
-          <a:stretch>
-            <a:fillRect/>
-          </a:stretch>
-        </p:blipFill>
-        <p:spPr bwMode="auto">
-          <a:xfrm>
-            <a:off x="7368988" y="5359502"/>
-            <a:ext cx="3898900" cy="1393752"/>
-          </a:xfrm>
-          <a:prstGeom prst="rect">
-            <a:avLst/>
-          </a:prstGeom>
-          <a:noFill/>
-          <a:extLst>
-            <a:ext uri="{909E8E84-426E-40DD-AFC4-6F175D3DCCD1}">
-              <a14:hiddenFill xmlns:a14="http://schemas.microsoft.com/office/drawing/2010/main">
+              <a:t>Installation: </a:t>
+            </a:r>
+            <a:r>
+              <a:rPr lang="en-US">
                 <a:solidFill>
-                  <a:srgbClr val="FFFFFF"/>
+                  <a:srgbClr val="FFFF00"/>
                 </a:solidFill>
-              </a14:hiddenFill>
-            </a:ext>
-          </a:extLst>
-        </p:spPr>
-      </p:pic>
+              </a:rPr>
+              <a:t>npm install </a:t>
+            </a:r>
+            <a:r>
+              <a:rPr lang="en-US" smtClean="0">
+                <a:solidFill>
+                  <a:srgbClr val="FFFF00"/>
+                </a:solidFill>
+              </a:rPr>
+              <a:t>mysql</a:t>
+            </a:r>
+            <a:endParaRPr lang="en-US"/>
+          </a:p>
+        </p:txBody>
+      </p:sp>
     </p:spTree>
     <p:extLst>
       <p:ext uri="{BB962C8B-B14F-4D97-AF65-F5344CB8AC3E}">
-        <p14:creationId xmlns:p14="http://schemas.microsoft.com/office/powerpoint/2010/main" val="1453079413"/>
+        <p14:creationId xmlns:p14="http://schemas.microsoft.com/office/powerpoint/2010/main" val="3329308769"/>
       </p:ext>
     </p:extLst>
   </p:cSld>
@@ -5890,21 +5945,18 @@
             <p:ph type="title"/>
           </p:nvPr>
         </p:nvSpPr>
-        <p:spPr>
-          <a:xfrm>
-            <a:off x="1757082" y="808056"/>
-            <a:ext cx="8813057" cy="1077229"/>
-          </a:xfrm>
-        </p:spPr>
-        <p:txBody>
-          <a:bodyPr>
-            <a:normAutofit fontScale="90000"/>
-          </a:bodyPr>
-          <a:lstStyle/>
-          <a:p>
+        <p:spPr/>
+        <p:txBody>
+          <a:bodyPr/>
+          <a:lstStyle/>
+          <a:p>
+            <a:r>
+              <a:rPr lang="en-US" smtClean="0"/>
+              <a:t>Example - </a:t>
+            </a:r>
             <a:r>
               <a:rPr lang="en-US"/>
-              <a:t>Knex.js - A SQL Query Builder for Javascript</a:t>
+              <a:t>MySQL</a:t>
             </a:r>
           </a:p>
         </p:txBody>
@@ -5919,112 +5971,43 @@
             <p:ph idx="1"/>
           </p:nvPr>
         </p:nvSpPr>
-        <p:spPr>
-          <a:xfrm>
-            <a:off x="1452282" y="2187388"/>
-            <a:ext cx="9117857" cy="4464424"/>
-          </a:xfrm>
-        </p:spPr>
+        <p:spPr/>
         <p:txBody>
           <a:bodyPr/>
           <a:lstStyle/>
           <a:p>
-            <a:r>
-              <a:rPr lang="en-US" smtClean="0"/>
-              <a:t>Cleaner </a:t>
-            </a:r>
-            <a:r>
-              <a:rPr lang="en-US"/>
-              <a:t>async </a:t>
-            </a:r>
-            <a:r>
-              <a:rPr lang="en-US"/>
-              <a:t>flow </a:t>
-            </a:r>
-            <a:r>
-              <a:rPr lang="en-US"/>
-              <a:t>control with callbacks as well as </a:t>
-            </a:r>
-            <a:r>
-              <a:rPr lang="en-US"/>
-              <a:t>a </a:t>
-            </a:r>
-            <a:r>
-              <a:rPr lang="en-US" smtClean="0"/>
-              <a:t>promise style</a:t>
-            </a:r>
-          </a:p>
-          <a:p>
-            <a:r>
-              <a:rPr lang="en-US" smtClean="0"/>
-              <a:t>Full </a:t>
-            </a:r>
-            <a:r>
-              <a:rPr lang="en-US"/>
-              <a:t>featured query and </a:t>
-            </a:r>
-            <a:r>
-              <a:rPr lang="en-US"/>
-              <a:t>schema </a:t>
-            </a:r>
-            <a:r>
-              <a:rPr lang="en-US" smtClean="0"/>
-              <a:t>builders</a:t>
-            </a:r>
-          </a:p>
-          <a:p>
-            <a:r>
-              <a:rPr lang="en-US" smtClean="0"/>
-              <a:t>Transaction </a:t>
-            </a:r>
-            <a:r>
-              <a:rPr lang="en-US"/>
-              <a:t>support (with </a:t>
-            </a:r>
-            <a:r>
-              <a:rPr lang="en-US"/>
-              <a:t>savepoints</a:t>
-            </a:r>
-            <a:r>
-              <a:rPr lang="en-US" smtClean="0"/>
-              <a:t>)</a:t>
-            </a:r>
-          </a:p>
-          <a:p>
-            <a:r>
-              <a:rPr lang="en-US" smtClean="0"/>
-              <a:t>Connection</a:t>
-            </a:r>
-            <a:r>
-              <a:rPr lang="en-US"/>
-              <a:t> </a:t>
-            </a:r>
-            <a:r>
-              <a:rPr lang="en-US">
-                <a:hlinkClick r:id="rId2"/>
-              </a:rPr>
-              <a:t>pooling</a:t>
-            </a:r>
-            <a:r>
-              <a:rPr lang="en-US"/>
-              <a:t> and standardized responses between different query clients </a:t>
-            </a:r>
-            <a:r>
-              <a:rPr lang="en-US"/>
-              <a:t>and </a:t>
-            </a:r>
-            <a:r>
-              <a:rPr lang="en-US" smtClean="0"/>
-              <a:t>dialects</a:t>
-            </a:r>
             <a:endParaRPr lang="en-US"/>
           </a:p>
         </p:txBody>
       </p:sp>
+      <p:pic>
+        <p:nvPicPr>
+          <p:cNvPr id="5" name="Picture 4"/>
+          <p:cNvPicPr>
+            <a:picLocks noChangeAspect="1"/>
+          </p:cNvPicPr>
+          <p:nvPr/>
+        </p:nvPicPr>
+        <p:blipFill>
+          <a:blip r:embed="rId2"/>
+          <a:stretch>
+            <a:fillRect/>
+          </a:stretch>
+        </p:blipFill>
+        <p:spPr>
+          <a:xfrm>
+            <a:off x="2742873" y="2052116"/>
+            <a:ext cx="7696200" cy="4410075"/>
+          </a:xfrm>
+          <a:prstGeom prst="rect">
+            <a:avLst/>
+          </a:prstGeom>
+        </p:spPr>
+      </p:pic>
     </p:spTree>
     <p:extLst>
       <p:ext uri="{BB962C8B-B14F-4D97-AF65-F5344CB8AC3E}">
-        <p14:creationId xmlns:p14="http://schemas.microsoft.com/office/powerpoint/2010/main" val="3703590523"/>
+        <p14:creationId xmlns:p14="http://schemas.microsoft.com/office/powerpoint/2010/main" val="3649143234"/>
       </p:ext>
     </p:extLst>
   </p:cSld>
@@ -6068,59 +6051,315 @@
             <p:ph type="title"/>
           </p:nvPr>
         </p:nvSpPr>
-        <p:spPr/>
+        <p:spPr>
+          <a:xfrm>
+            <a:off x="1757082" y="808056"/>
+            <a:ext cx="8813057" cy="1077229"/>
+          </a:xfrm>
+        </p:spPr>
+        <p:txBody>
+          <a:bodyPr>
+            <a:normAutofit fontScale="90000"/>
+          </a:bodyPr>
+          <a:lstStyle/>
+          <a:p>
+            <a:r>
+              <a:rPr lang="en-US"/>
+              <a:t>Knex.js - A SQL Query Builder for Javascript</a:t>
+            </a:r>
+          </a:p>
+        </p:txBody>
+      </p:sp>
+      <p:sp>
+        <p:nvSpPr>
+          <p:cNvPr id="3" name="Content Placeholder 2"/>
+          <p:cNvSpPr>
+            <a:spLocks noGrp="1"/>
+          </p:cNvSpPr>
+          <p:nvPr>
+            <p:ph idx="1"/>
+          </p:nvPr>
+        </p:nvSpPr>
+        <p:spPr>
+          <a:xfrm>
+            <a:off x="1452282" y="2330824"/>
+            <a:ext cx="9117857" cy="3028678"/>
+          </a:xfrm>
+        </p:spPr>
         <p:txBody>
           <a:bodyPr/>
           <a:lstStyle/>
           <a:p>
             <a:r>
-              <a:rPr lang="en-US" smtClean="0"/>
-              <a:t>References</a:t>
-            </a:r>
-            <a:endParaRPr lang="en-US"/>
-          </a:p>
-        </p:txBody>
-      </p:sp>
-      <p:sp>
-        <p:nvSpPr>
-          <p:cNvPr id="3" name="Content Placeholder 2"/>
-          <p:cNvSpPr>
-            <a:spLocks noGrp="1"/>
-          </p:cNvSpPr>
-          <p:nvPr>
-            <p:ph idx="1"/>
-          </p:nvPr>
-        </p:nvSpPr>
-        <p:spPr/>
-        <p:txBody>
-          <a:bodyPr/>
-          <a:lstStyle/>
-          <a:p>
+              <a:rPr lang="en-US" b="1"/>
+              <a:t>Knex.js</a:t>
+            </a:r>
             <a:r>
               <a:rPr lang="en-US"/>
-              <a:t>https</a:t>
+              <a:t> is a "batteries included" SQL query builder for </a:t>
+            </a:r>
+            <a:r>
+              <a:rPr lang="en-US" b="1"/>
+              <a:t>Postgres</a:t>
             </a:r>
             <a:r>
               <a:rPr lang="en-US"/>
-              <a:t>://</a:t>
-            </a:r>
-            <a:r>
-              <a:rPr lang="en-US" smtClean="0"/>
-              <a:t>expressjs.com/en/guide/database-integration.html</a:t>
-            </a:r>
-          </a:p>
-          <a:p>
+              <a:t>, </a:t>
+            </a:r>
+            <a:r>
+              <a:rPr lang="en-US" b="1"/>
+              <a:t>MSSQL</a:t>
+            </a:r>
             <a:r>
               <a:rPr lang="en-US"/>
-              <a:t>https://knexjs.org/</a:t>
-            </a:r>
-          </a:p>
-        </p:txBody>
-      </p:sp>
+              <a:t>, </a:t>
+            </a:r>
+            <a:r>
+              <a:rPr lang="en-US" b="1"/>
+              <a:t>MySQL</a:t>
+            </a:r>
+            <a:r>
+              <a:rPr lang="en-US"/>
+              <a:t>, </a:t>
+            </a:r>
+            <a:r>
+              <a:rPr lang="en-US" b="1"/>
+              <a:t>MariaDB</a:t>
+            </a:r>
+            <a:r>
+              <a:rPr lang="en-US"/>
+              <a:t>, </a:t>
+            </a:r>
+            <a:r>
+              <a:rPr lang="en-US" b="1"/>
+              <a:t>SQLite3</a:t>
+            </a:r>
+            <a:r>
+              <a:rPr lang="en-US"/>
+              <a:t>, </a:t>
+            </a:r>
+            <a:r>
+              <a:rPr lang="en-US" b="1"/>
+              <a:t>Oracle</a:t>
+            </a:r>
+            <a:r>
+              <a:rPr lang="en-US"/>
+              <a:t>, and </a:t>
+            </a:r>
+            <a:r>
+              <a:rPr lang="en-US" b="1"/>
+              <a:t>Amazon Redshift</a:t>
+            </a:r>
+            <a:r>
+              <a:rPr lang="en-US"/>
+              <a:t> designed to be flexible, portable, and fun to </a:t>
+            </a:r>
+            <a:r>
+              <a:rPr lang="en-US" smtClean="0"/>
+              <a:t>use</a:t>
+            </a:r>
+          </a:p>
+        </p:txBody>
+      </p:sp>
+      <p:pic>
+        <p:nvPicPr>
+          <p:cNvPr id="4098" name="Picture 2" descr="Knex.js"/>
+          <p:cNvPicPr>
+            <a:picLocks noChangeAspect="1" noChangeArrowheads="1"/>
+          </p:cNvPicPr>
+          <p:nvPr/>
+        </p:nvPicPr>
+        <p:blipFill>
+          <a:blip r:embed="rId2">
+            <a:extLst>
+              <a:ext uri="{28A0092B-C50C-407E-A947-70E740481C1C}">
+                <a14:useLocalDpi xmlns:a14="http://schemas.microsoft.com/office/drawing/2010/main" val="0"/>
+              </a:ext>
+            </a:extLst>
+          </a:blip>
+          <a:srcRect/>
+          <a:stretch>
+            <a:fillRect/>
+          </a:stretch>
+        </p:blipFill>
+        <p:spPr bwMode="auto">
+          <a:xfrm>
+            <a:off x="7368988" y="5359502"/>
+            <a:ext cx="3898900" cy="1393752"/>
+          </a:xfrm>
+          <a:prstGeom prst="rect">
+            <a:avLst/>
+          </a:prstGeom>
+          <a:noFill/>
+          <a:extLst>
+            <a:ext uri="{909E8E84-426E-40DD-AFC4-6F175D3DCCD1}">
+              <a14:hiddenFill xmlns:a14="http://schemas.microsoft.com/office/drawing/2010/main">
+                <a:solidFill>
+                  <a:srgbClr val="FFFFFF"/>
+                </a:solidFill>
+              </a14:hiddenFill>
+            </a:ext>
+          </a:extLst>
+        </p:spPr>
+      </p:pic>
     </p:spTree>
     <p:extLst>
       <p:ext uri="{BB962C8B-B14F-4D97-AF65-F5344CB8AC3E}">
-        <p14:creationId xmlns:p14="http://schemas.microsoft.com/office/powerpoint/2010/main" val="3232147770"/>
+        <p14:creationId xmlns:p14="http://schemas.microsoft.com/office/powerpoint/2010/main" val="1453079413"/>
+      </p:ext>
+    </p:extLst>
+  </p:cSld>
+  <p:clrMapOvr>
+    <a:masterClrMapping/>
+  </p:clrMapOvr>
+  <p:timing>
+    <p:tnLst>
+      <p:par>
+        <p:cTn id="1" dur="indefinite" restart="never" nodeType="tmRoot"/>
+      </p:par>
+    </p:tnLst>
+  </p:timing>
+</p:sld>
+</file>
+
+<file path=ppt/slides/slide9.xml><?xml version="1.0" encoding="utf-8"?>
+<p:sld xmlns:a="http://schemas.openxmlformats.org/drawingml/2006/main" xmlns:r="http://schemas.openxmlformats.org/officeDocument/2006/relationships" xmlns:p="http://schemas.openxmlformats.org/presentationml/2006/main">
+  <p:cSld>
+    <p:spTree>
+      <p:nvGrpSpPr>
+        <p:cNvPr id="1" name=""/>
+        <p:cNvGrpSpPr/>
+        <p:nvPr/>
+      </p:nvGrpSpPr>
+      <p:grpSpPr>
+        <a:xfrm>
+          <a:off x="0" y="0"/>
+          <a:ext cx="0" cy="0"/>
+          <a:chOff x="0" y="0"/>
+          <a:chExt cx="0" cy="0"/>
+        </a:xfrm>
+      </p:grpSpPr>
+      <p:sp>
+        <p:nvSpPr>
+          <p:cNvPr id="2" name="Title 1"/>
+          <p:cNvSpPr>
+            <a:spLocks noGrp="1"/>
+          </p:cNvSpPr>
+          <p:nvPr>
+            <p:ph type="title"/>
+          </p:nvPr>
+        </p:nvSpPr>
+        <p:spPr>
+          <a:xfrm>
+            <a:off x="1757082" y="808056"/>
+            <a:ext cx="8813057" cy="1077229"/>
+          </a:xfrm>
+        </p:spPr>
+        <p:txBody>
+          <a:bodyPr>
+            <a:normAutofit fontScale="90000"/>
+          </a:bodyPr>
+          <a:lstStyle/>
+          <a:p>
+            <a:r>
+              <a:rPr lang="en-US"/>
+              <a:t>Knex.js - A SQL Query Builder for Javascript</a:t>
+            </a:r>
+          </a:p>
+        </p:txBody>
+      </p:sp>
+      <p:sp>
+        <p:nvSpPr>
+          <p:cNvPr id="3" name="Content Placeholder 2"/>
+          <p:cNvSpPr>
+            <a:spLocks noGrp="1"/>
+          </p:cNvSpPr>
+          <p:nvPr>
+            <p:ph idx="1"/>
+          </p:nvPr>
+        </p:nvSpPr>
+        <p:spPr>
+          <a:xfrm>
+            <a:off x="1452282" y="2187388"/>
+            <a:ext cx="9117857" cy="4464424"/>
+          </a:xfrm>
+        </p:spPr>
+        <p:txBody>
+          <a:bodyPr/>
+          <a:lstStyle/>
+          <a:p>
+            <a:r>
+              <a:rPr lang="en-US" smtClean="0"/>
+              <a:t>Cleaner </a:t>
+            </a:r>
+            <a:r>
+              <a:rPr lang="en-US"/>
+              <a:t>async flow control with callbacks as well as a </a:t>
+            </a:r>
+            <a:r>
+              <a:rPr lang="en-US" smtClean="0"/>
+              <a:t>promise style</a:t>
+            </a:r>
+          </a:p>
+          <a:p>
+            <a:r>
+              <a:rPr lang="en-US" smtClean="0"/>
+              <a:t>Full </a:t>
+            </a:r>
+            <a:r>
+              <a:rPr lang="en-US"/>
+              <a:t>featured query and schema </a:t>
+            </a:r>
+            <a:r>
+              <a:rPr lang="en-US" smtClean="0"/>
+              <a:t>builders</a:t>
+            </a:r>
+          </a:p>
+          <a:p>
+            <a:r>
+              <a:rPr lang="en-US" smtClean="0"/>
+              <a:t>Transaction </a:t>
+            </a:r>
+            <a:r>
+              <a:rPr lang="en-US"/>
+              <a:t>support (with savepoints</a:t>
+            </a:r>
+            <a:r>
+              <a:rPr lang="en-US" smtClean="0"/>
+              <a:t>)</a:t>
+            </a:r>
+          </a:p>
+          <a:p>
+            <a:r>
+              <a:rPr lang="en-US" smtClean="0"/>
+              <a:t>Connection</a:t>
+            </a:r>
+            <a:r>
+              <a:rPr lang="en-US"/>
+              <a:t> </a:t>
+            </a:r>
+            <a:r>
+              <a:rPr lang="en-US">
+                <a:hlinkClick r:id="rId2"/>
+              </a:rPr>
+              <a:t>pooling</a:t>
+            </a:r>
+            <a:r>
+              <a:rPr lang="en-US"/>
+              <a:t> and standardized responses between different query clients and </a:t>
+            </a:r>
+            <a:r>
+              <a:rPr lang="en-US" smtClean="0"/>
+              <a:t>dialects</a:t>
+            </a:r>
+            <a:endParaRPr lang="en-US"/>
+          </a:p>
+        </p:txBody>
+      </p:sp>
+    </p:spTree>
+    <p:extLst>
+      <p:ext uri="{BB962C8B-B14F-4D97-AF65-F5344CB8AC3E}">
+        <p14:creationId xmlns:p14="http://schemas.microsoft.com/office/powerpoint/2010/main" val="3703590523"/>
       </p:ext>
     </p:extLst>
   </p:cSld>

--- a/Session08/04. Database vs Knex.js.pptx
+++ b/Session08/04. Database vs Knex.js.pptx
@@ -206,7 +206,7 @@
           <a:p>
             <a:fld id="{8F59A0B2-88F1-430E-BA3A-2AAE21785401}" type="datetimeFigureOut">
               <a:rPr lang="en-US" smtClean="0"/>
-              <a:t>23-Mar-19</a:t>
+              <a:t>24-Mar-19</a:t>
             </a:fld>
             <a:endParaRPr lang="en-US"/>
           </a:p>
@@ -691,7 +691,7 @@
           <a:p>
             <a:fld id="{9AB3A824-1A51-4B26-AD58-A6D8E14F6C04}" type="datetimeFigureOut">
               <a:rPr lang="en-US" dirty="0"/>
-              <a:t>23-Mar-19</a:t>
+              <a:t>24-Mar-19</a:t>
             </a:fld>
             <a:endParaRPr lang="en-US" dirty="0"/>
           </a:p>
@@ -991,7 +991,7 @@
           <a:p>
             <a:fld id="{D857E33E-8B18-4087-B112-809917729534}" type="datetimeFigureOut">
               <a:rPr lang="en-US" dirty="0"/>
-              <a:t>23-Mar-19</a:t>
+              <a:t>24-Mar-19</a:t>
             </a:fld>
             <a:endParaRPr lang="en-US" dirty="0"/>
           </a:p>
@@ -1293,7 +1293,7 @@
           <a:p>
             <a:fld id="{D3FFE419-2371-464F-8239-3959401C3561}" type="datetimeFigureOut">
               <a:rPr lang="en-US" dirty="0"/>
-              <a:t>23-Mar-19</a:t>
+              <a:t>24-Mar-19</a:t>
             </a:fld>
             <a:endParaRPr lang="en-US" dirty="0"/>
           </a:p>
@@ -1540,7 +1540,7 @@
           <a:p>
             <a:fld id="{97D162C4-EDD9-4389-A98B-B87ECEA2A816}" type="datetimeFigureOut">
               <a:rPr lang="en-US" dirty="0"/>
-              <a:t>23-Mar-19</a:t>
+              <a:t>24-Mar-19</a:t>
             </a:fld>
             <a:endParaRPr lang="en-US" dirty="0"/>
           </a:p>
@@ -1954,7 +1954,7 @@
           <a:p>
             <a:fld id="{3E5059C3-6A89-4494-99FF-5A4D6FFD50EB}" type="datetimeFigureOut">
               <a:rPr lang="en-US" dirty="0"/>
-              <a:t>23-Mar-19</a:t>
+              <a:t>24-Mar-19</a:t>
             </a:fld>
             <a:endParaRPr lang="en-US" dirty="0"/>
           </a:p>
@@ -2268,7 +2268,7 @@
           <a:p>
             <a:fld id="{CA954B2F-12DE-47F5-8894-472B206D2E1E}" type="datetimeFigureOut">
               <a:rPr lang="en-US" dirty="0"/>
-              <a:t>23-Mar-19</a:t>
+              <a:t>24-Mar-19</a:t>
             </a:fld>
             <a:endParaRPr lang="en-US" dirty="0"/>
           </a:p>
@@ -2812,7 +2812,7 @@
           <a:p>
             <a:fld id="{3F30E46F-7819-4ACF-B48B-48222C2ACC88}" type="datetimeFigureOut">
               <a:rPr lang="en-US" dirty="0"/>
-              <a:t>23-Mar-19</a:t>
+              <a:t>24-Mar-19</a:t>
             </a:fld>
             <a:endParaRPr lang="en-US" dirty="0"/>
           </a:p>
@@ -3007,7 +3007,7 @@
           <a:p>
             <a:fld id="{1FAF3416-4057-4DAA-829D-4CA07428D088}" type="datetimeFigureOut">
               <a:rPr lang="en-US" dirty="0"/>
-              <a:t>23-Mar-19</a:t>
+              <a:t>24-Mar-19</a:t>
             </a:fld>
             <a:endParaRPr lang="en-US" dirty="0"/>
           </a:p>
@@ -3220,7 +3220,7 @@
           <a:p>
             <a:fld id="{921D9284-D300-4297-87F7-E791DCC15DB1}" type="datetimeFigureOut">
               <a:rPr lang="en-US" dirty="0"/>
-              <a:t>23-Mar-19</a:t>
+              <a:t>24-Mar-19</a:t>
             </a:fld>
             <a:endParaRPr lang="en-US" dirty="0"/>
           </a:p>
@@ -3589,7 +3589,7 @@
           <a:p>
             <a:fld id="{37D525BB-DA17-4BA0-B3C8-3AC3ABC827E6}" type="datetimeFigureOut">
               <a:rPr lang="en-US" dirty="0"/>
-              <a:t>23-Mar-19</a:t>
+              <a:t>24-Mar-19</a:t>
             </a:fld>
             <a:endParaRPr lang="en-US" dirty="0"/>
           </a:p>
@@ -3992,7 +3992,7 @@
           <a:p>
             <a:fld id="{B16C4C9A-3960-41CF-A4E9-2A8FB932454B}" type="datetimeFigureOut">
               <a:rPr lang="en-US" dirty="0"/>
-              <a:t>23-Mar-19</a:t>
+              <a:t>24-Mar-19</a:t>
             </a:fld>
             <a:endParaRPr lang="en-US" dirty="0"/>
           </a:p>
@@ -4330,7 +4330,7 @@
           <a:p>
             <a:fld id="{3CBC1C18-307B-4F68-A007-B5B542270E8D}" type="datetimeFigureOut">
               <a:rPr lang="en-US" dirty="0"/>
-              <a:t>23-Mar-19</a:t>
+              <a:t>24-Mar-19</a:t>
             </a:fld>
             <a:endParaRPr lang="en-US" dirty="0"/>
           </a:p>
@@ -5167,11 +5167,6 @@
               </a:rPr>
               <a:t>https://www.getpostman.com/</a:t>
             </a:r>
-            <a:endParaRPr lang="en-US">
-              <a:solidFill>
-                <a:srgbClr val="FFFF00"/>
-              </a:solidFill>
-            </a:endParaRPr>
           </a:p>
         </p:txBody>
       </p:sp>
@@ -5616,7 +5611,12 @@
             <p:ph idx="1"/>
           </p:nvPr>
         </p:nvSpPr>
-        <p:spPr/>
+        <p:spPr>
+          <a:xfrm>
+            <a:off x="2271575" y="2016257"/>
+            <a:ext cx="9023954" cy="3997828"/>
+          </a:xfrm>
+        </p:spPr>
         <p:txBody>
           <a:bodyPr/>
           <a:lstStyle/>
@@ -5637,11 +5637,6 @@
               </a:rPr>
               <a:t>mongoose</a:t>
             </a:r>
-            <a:endParaRPr lang="en-US">
-              <a:solidFill>
-                <a:srgbClr val="FFFF00"/>
-              </a:solidFill>
-            </a:endParaRPr>
           </a:p>
           <a:p>
             <a:r>
@@ -5662,7 +5657,7 @@
                   <a:srgbClr val="FFFF00"/>
                 </a:solidFill>
               </a:rPr>
-              <a:t>mongoose</a:t>
+              <a:t>mongoose @types/mongoose</a:t>
             </a:r>
             <a:endParaRPr lang="en-US"/>
           </a:p>
@@ -5722,11 +5717,7 @@
           <a:p>
             <a:r>
               <a:rPr lang="en-US"/>
-              <a:t>Example </a:t>
-            </a:r>
-            <a:r>
-              <a:rPr lang="en-US"/>
-              <a:t>- </a:t>
+              <a:t>Example - </a:t>
             </a:r>
             <a:r>
               <a:rPr lang="en-US" smtClean="0"/>
@@ -5757,15 +5748,7 @@
                   <a:srgbClr val="FFFF00"/>
                 </a:solidFill>
               </a:rPr>
-              <a:t>https</a:t>
-            </a:r>
-            <a:r>
-              <a:rPr lang="en-US">
-                <a:solidFill>
-                  <a:srgbClr val="FFFF00"/>
-                </a:solidFill>
-              </a:rPr>
-              <a:t>://</a:t>
+              <a:t>https://</a:t>
             </a:r>
             <a:r>
               <a:rPr lang="en-US" smtClean="0">
